--- a/zs_sim_robot/meeting_7/meeting_7.pptx
+++ b/zs_sim_robot/meeting_7/meeting_7.pptx
@@ -5,18 +5,17 @@
     <p:sldMasterId id="2147483648" r:id="rId1"/>
   </p:sldMasterIdLst>
   <p:notesMasterIdLst>
-    <p:notesMasterId r:id="rId11"/>
+    <p:notesMasterId r:id="rId10"/>
   </p:notesMasterIdLst>
   <p:sldIdLst>
     <p:sldId id="256" r:id="rId2"/>
     <p:sldId id="429" r:id="rId3"/>
-    <p:sldId id="427" r:id="rId4"/>
-    <p:sldId id="428" r:id="rId5"/>
-    <p:sldId id="424" r:id="rId6"/>
-    <p:sldId id="430" r:id="rId7"/>
-    <p:sldId id="431" r:id="rId8"/>
-    <p:sldId id="432" r:id="rId9"/>
-    <p:sldId id="433" r:id="rId10"/>
+    <p:sldId id="434" r:id="rId4"/>
+    <p:sldId id="427" r:id="rId5"/>
+    <p:sldId id="430" r:id="rId6"/>
+    <p:sldId id="431" r:id="rId7"/>
+    <p:sldId id="432" r:id="rId8"/>
+    <p:sldId id="433" r:id="rId9"/>
   </p:sldIdLst>
   <p:sldSz cx="12192000" cy="6858000"/>
   <p:notesSz cx="6858000" cy="9144000"/>
@@ -3622,44 +3621,10 @@
       </p:grpSpPr>
       <p:sp>
         <p:nvSpPr>
-          <p:cNvPr id="2" name="标题 1"/>
-          <p:cNvSpPr>
-            <a:spLocks noGrp="1"/>
-          </p:cNvSpPr>
-          <p:nvPr>
-            <p:ph type="title"/>
-          </p:nvPr>
-        </p:nvSpPr>
-        <p:spPr>
-          <a:xfrm>
-            <a:off x="347831" y="-185057"/>
-            <a:ext cx="10515600" cy="1325563"/>
-          </a:xfrm>
-        </p:spPr>
-        <p:txBody>
-          <a:bodyPr/>
-          <a:lstStyle/>
-          <a:p>
-            <a:r>
-              <a:rPr lang="en-US" altLang="zh-CN" dirty="0">
-                <a:latin typeface="微软雅黑 Light" panose="020B0502040204020203" pitchFamily="34" charset="-122"/>
-                <a:ea typeface="微软雅黑 Light" panose="020B0502040204020203" pitchFamily="34" charset="-122"/>
-              </a:rPr>
-              <a:t>Search for the Best NN Model</a:t>
-            </a:r>
-            <a:endParaRPr lang="zh-CN" altLang="en-US" dirty="0">
-              <a:latin typeface="微软雅黑 Light" panose="020B0502040204020203" pitchFamily="34" charset="-122"/>
-              <a:ea typeface="微软雅黑 Light" panose="020B0502040204020203" pitchFamily="34" charset="-122"/>
-            </a:endParaRPr>
-          </a:p>
-        </p:txBody>
-      </p:sp>
-      <p:sp>
-        <p:nvSpPr>
-          <p:cNvPr id="4" name="TextBox 3">
+          <p:cNvPr id="11" name="TextBox 10">
             <a:extLst>
               <a:ext uri="{FF2B5EF4-FFF2-40B4-BE49-F238E27FC236}">
-                <a16:creationId xmlns:a16="http://schemas.microsoft.com/office/drawing/2014/main" id="{40B5566F-8ACD-E747-96C0-68C3F6267500}"/>
+                <a16:creationId xmlns:a16="http://schemas.microsoft.com/office/drawing/2014/main" id="{869B0116-1DB5-AA42-A7D2-1517B343BA26}"/>
               </a:ext>
             </a:extLst>
           </p:cNvPr>
@@ -3668,8 +3633,8 @@
         </p:nvSpPr>
         <p:spPr>
           <a:xfrm>
-            <a:off x="347831" y="1140506"/>
-            <a:ext cx="12099073" cy="4278094"/>
+            <a:off x="92927" y="2270397"/>
+            <a:ext cx="12099073" cy="2339102"/>
           </a:xfrm>
           <a:prstGeom prst="rect">
             <a:avLst/>
@@ -3688,7 +3653,7 @@
             </a:pPr>
             <a:r>
               <a:rPr lang="en-US" sz="2800" dirty="0"/>
-              <a:t>All available 9 models we have:</a:t>
+              <a:t>Actions:</a:t>
             </a:r>
           </a:p>
           <a:p>
@@ -3698,7 +3663,7 @@
             </a:pPr>
             <a:r>
               <a:rPr lang="en-US" dirty="0"/>
-              <a:t>no suffix  </a:t>
+              <a:t>20 steps  (-0.62, -0.13)</a:t>
             </a:r>
           </a:p>
           <a:p>
@@ -3708,7 +3673,7 @@
             </a:pPr>
             <a:r>
               <a:rPr lang="en-US" dirty="0"/>
-              <a:t>suffix ”ho40”</a:t>
+              <a:t>50 steps  (-0.73, 0.20)</a:t>
             </a:r>
           </a:p>
           <a:p>
@@ -3718,7 +3683,7 @@
             </a:pPr>
             <a:r>
               <a:rPr lang="en-US" dirty="0"/>
-              <a:t>suffix ”ho0.5”</a:t>
+              <a:t>60 steps  (-0.99, -0.81)</a:t>
             </a:r>
           </a:p>
           <a:p>
@@ -3728,64 +3693,8 @@
             </a:pPr>
             <a:r>
               <a:rPr lang="en-US" dirty="0"/>
-              <a:t>suffix ”ho0.6” </a:t>
-            </a:r>
-          </a:p>
-          <a:p>
-            <a:pPr marL="342900" indent="-342900">
-              <a:buFont typeface="+mj-lt"/>
-              <a:buAutoNum type="arabicParenR"/>
-            </a:pPr>
-            <a:r>
-              <a:rPr lang="en-US" dirty="0"/>
-              <a:t>suffix ”ho0.7” </a:t>
-            </a:r>
-          </a:p>
-          <a:p>
-            <a:pPr marL="342900" indent="-342900">
-              <a:buFont typeface="+mj-lt"/>
-              <a:buAutoNum type="arabicParenR"/>
-            </a:pPr>
-            <a:r>
-              <a:rPr lang="en-US" dirty="0"/>
-              <a:t>suffix ”ho0.8” </a:t>
-            </a:r>
-          </a:p>
-          <a:p>
-            <a:pPr marL="342900" indent="-342900">
-              <a:buFont typeface="+mj-lt"/>
-              <a:buAutoNum type="arabicParenR"/>
-            </a:pPr>
-            <a:r>
-              <a:rPr lang="en-US" dirty="0"/>
-              <a:t>suffix ”ho0.9”</a:t>
-            </a:r>
-          </a:p>
-          <a:p>
-            <a:pPr marL="342900" indent="-342900">
-              <a:buFont typeface="+mj-lt"/>
-              <a:buAutoNum type="arabicParenR"/>
-            </a:pPr>
-            <a:r>
-              <a:rPr lang="en-US" dirty="0"/>
-              <a:t>suffix ”ho0.95”</a:t>
-            </a:r>
-          </a:p>
-          <a:p>
-            <a:pPr marL="342900" indent="-342900">
-              <a:buFont typeface="+mj-lt"/>
-              <a:buAutoNum type="arabicParenR"/>
-            </a:pPr>
-            <a:r>
-              <a:rPr lang="en-US" dirty="0"/>
-              <a:t>suffix ”ho0.99”</a:t>
-            </a:r>
-          </a:p>
-          <a:p>
-            <a:endParaRPr lang="en-US" dirty="0"/>
-          </a:p>
-          <a:p>
-            <a:endParaRPr lang="en-US" dirty="0"/>
+              <a:t>…</a:t>
+            </a:r>
           </a:p>
           <a:p>
             <a:endParaRPr lang="en-US" dirty="0"/>
@@ -3797,55 +3706,17 @@
             </a:pPr>
             <a:r>
               <a:rPr lang="en-US" sz="2800" b="1" dirty="0"/>
-              <a:t>Results: Model “no suffix” works best generally</a:t>
-            </a:r>
-          </a:p>
-        </p:txBody>
-      </p:sp>
-    </p:spTree>
-    <p:extLst>
-      <p:ext uri="{BB962C8B-B14F-4D97-AF65-F5344CB8AC3E}">
-        <p14:creationId xmlns:p14="http://schemas.microsoft.com/office/powerpoint/2010/main" val="1980411803"/>
-      </p:ext>
-    </p:extLst>
-  </p:cSld>
-  <p:clrMapOvr>
-    <a:masterClrMapping/>
-  </p:clrMapOvr>
-</p:sld>
-</file>
-
-<file path=ppt/slides/slide4.xml><?xml version="1.0" encoding="utf-8"?>
-<p:sld xmlns:a="http://schemas.openxmlformats.org/drawingml/2006/main" xmlns:r="http://schemas.openxmlformats.org/officeDocument/2006/relationships" xmlns:p="http://schemas.openxmlformats.org/presentationml/2006/main">
-  <p:cSld>
-    <p:bg>
-      <p:bgPr>
-        <a:solidFill>
-          <a:schemeClr val="bg1"/>
-        </a:solidFill>
-        <a:effectLst/>
-      </p:bgPr>
-    </p:bg>
-    <p:spTree>
-      <p:nvGrpSpPr>
-        <p:cNvPr id="1" name=""/>
-        <p:cNvGrpSpPr/>
-        <p:nvPr/>
-      </p:nvGrpSpPr>
-      <p:grpSpPr>
-        <a:xfrm>
-          <a:off x="0" y="0"/>
-          <a:ext cx="0" cy="0"/>
-          <a:chOff x="0" y="0"/>
-          <a:chExt cx="0" cy="0"/>
-        </a:xfrm>
-      </p:grpSpPr>
+              <a:t>Continuous Actions!</a:t>
+            </a:r>
+          </a:p>
+        </p:txBody>
+      </p:sp>
       <p:pic>
         <p:nvPicPr>
-          <p:cNvPr id="7" name="Picture 6" descr="A close up of a map&#10;&#10;Description automatically generated">
+          <p:cNvPr id="4" name="Picture 3" descr="A screenshot of a cell phone&#10;&#10;Description automatically generated">
             <a:extLst>
               <a:ext uri="{FF2B5EF4-FFF2-40B4-BE49-F238E27FC236}">
-                <a16:creationId xmlns:a16="http://schemas.microsoft.com/office/drawing/2014/main" id="{F3BC157B-23B2-6545-80F0-BA73B94EF1BE}"/>
+                <a16:creationId xmlns:a16="http://schemas.microsoft.com/office/drawing/2014/main" id="{D0E6C281-8C93-AF4B-A5D5-950D25CEDF37}"/>
               </a:ext>
             </a:extLst>
           </p:cNvPr>
@@ -3868,296 +3739,8 @@
         </p:blipFill>
         <p:spPr>
           <a:xfrm>
-            <a:off x="1477963" y="4619625"/>
-            <a:ext cx="3073400" cy="2203450"/>
-          </a:xfrm>
-          <a:prstGeom prst="rect">
-            <a:avLst/>
-          </a:prstGeom>
-        </p:spPr>
-      </p:pic>
-      <p:pic>
-        <p:nvPicPr>
-          <p:cNvPr id="9" name="Picture 8" descr="A screenshot of a cell phone&#10;&#10;Description automatically generated">
-            <a:extLst>
-              <a:ext uri="{FF2B5EF4-FFF2-40B4-BE49-F238E27FC236}">
-                <a16:creationId xmlns:a16="http://schemas.microsoft.com/office/drawing/2014/main" id="{2C3C1817-AEF5-BC4D-9D67-1CE1939428C6}"/>
-              </a:ext>
-            </a:extLst>
-          </p:cNvPr>
-          <p:cNvPicPr>
-            <a:picLocks noChangeAspect="1"/>
-          </p:cNvPicPr>
-          <p:nvPr/>
-        </p:nvPicPr>
-        <p:blipFill>
-          <a:blip r:embed="rId3">
-            <a:extLst>
-              <a:ext uri="{28A0092B-C50C-407E-A947-70E740481C1C}">
-                <a14:useLocalDpi xmlns:a14="http://schemas.microsoft.com/office/drawing/2010/main" val="0"/>
-              </a:ext>
-            </a:extLst>
-          </a:blip>
-          <a:stretch>
-            <a:fillRect/>
-          </a:stretch>
-        </p:blipFill>
-        <p:spPr>
-          <a:xfrm>
-            <a:off x="1477963" y="47625"/>
+            <a:off x="4345258" y="79647"/>
             <a:ext cx="2987675" cy="2190750"/>
-          </a:xfrm>
-          <a:prstGeom prst="rect">
-            <a:avLst/>
-          </a:prstGeom>
-        </p:spPr>
-      </p:pic>
-      <p:pic>
-        <p:nvPicPr>
-          <p:cNvPr id="11" name="Picture 10" descr="A close up of a map&#10;&#10;Description automatically generated">
-            <a:extLst>
-              <a:ext uri="{FF2B5EF4-FFF2-40B4-BE49-F238E27FC236}">
-                <a16:creationId xmlns:a16="http://schemas.microsoft.com/office/drawing/2014/main" id="{39027DE8-86D1-4C42-8452-BCD4C0882171}"/>
-              </a:ext>
-            </a:extLst>
-          </p:cNvPr>
-          <p:cNvPicPr>
-            <a:picLocks noChangeAspect="1"/>
-          </p:cNvPicPr>
-          <p:nvPr/>
-        </p:nvPicPr>
-        <p:blipFill>
-          <a:blip r:embed="rId4">
-            <a:extLst>
-              <a:ext uri="{28A0092B-C50C-407E-A947-70E740481C1C}">
-                <a14:useLocalDpi xmlns:a14="http://schemas.microsoft.com/office/drawing/2010/main" val="0"/>
-              </a:ext>
-            </a:extLst>
-          </a:blip>
-          <a:stretch>
-            <a:fillRect/>
-          </a:stretch>
-        </p:blipFill>
-        <p:spPr>
-          <a:xfrm>
-            <a:off x="7804150" y="2320925"/>
-            <a:ext cx="2909888" cy="2217738"/>
-          </a:xfrm>
-          <a:prstGeom prst="rect">
-            <a:avLst/>
-          </a:prstGeom>
-        </p:spPr>
-      </p:pic>
-      <p:pic>
-        <p:nvPicPr>
-          <p:cNvPr id="14" name="Picture 13" descr="A close up of a map&#10;&#10;Description automatically generated">
-            <a:extLst>
-              <a:ext uri="{FF2B5EF4-FFF2-40B4-BE49-F238E27FC236}">
-                <a16:creationId xmlns:a16="http://schemas.microsoft.com/office/drawing/2014/main" id="{ADDDD1E3-E013-9A44-A755-DB6E418D1DC7}"/>
-              </a:ext>
-            </a:extLst>
-          </p:cNvPr>
-          <p:cNvPicPr>
-            <a:picLocks noChangeAspect="1"/>
-          </p:cNvPicPr>
-          <p:nvPr/>
-        </p:nvPicPr>
-        <p:blipFill>
-          <a:blip r:embed="rId5">
-            <a:extLst>
-              <a:ext uri="{28A0092B-C50C-407E-A947-70E740481C1C}">
-                <a14:useLocalDpi xmlns:a14="http://schemas.microsoft.com/office/drawing/2010/main" val="0"/>
-              </a:ext>
-            </a:extLst>
-          </a:blip>
-          <a:stretch>
-            <a:fillRect/>
-          </a:stretch>
-        </p:blipFill>
-        <p:spPr>
-          <a:xfrm>
-            <a:off x="1477963" y="2320925"/>
-            <a:ext cx="2990850" cy="2217738"/>
-          </a:xfrm>
-          <a:prstGeom prst="rect">
-            <a:avLst/>
-          </a:prstGeom>
-        </p:spPr>
-      </p:pic>
-      <p:pic>
-        <p:nvPicPr>
-          <p:cNvPr id="16" name="Picture 15" descr="A close up of a map&#10;&#10;Description automatically generated">
-            <a:extLst>
-              <a:ext uri="{FF2B5EF4-FFF2-40B4-BE49-F238E27FC236}">
-                <a16:creationId xmlns:a16="http://schemas.microsoft.com/office/drawing/2014/main" id="{3FCE2F2E-DFCA-CC4B-9971-472285D80477}"/>
-              </a:ext>
-            </a:extLst>
-          </p:cNvPr>
-          <p:cNvPicPr>
-            <a:picLocks noChangeAspect="1"/>
-          </p:cNvPicPr>
-          <p:nvPr/>
-        </p:nvPicPr>
-        <p:blipFill>
-          <a:blip r:embed="rId6">
-            <a:extLst>
-              <a:ext uri="{28A0092B-C50C-407E-A947-70E740481C1C}">
-                <a14:useLocalDpi xmlns:a14="http://schemas.microsoft.com/office/drawing/2010/main" val="0"/>
-              </a:ext>
-            </a:extLst>
-          </a:blip>
-          <a:stretch>
-            <a:fillRect/>
-          </a:stretch>
-        </p:blipFill>
-        <p:spPr>
-          <a:xfrm>
-            <a:off x="7678738" y="4619625"/>
-            <a:ext cx="3035300" cy="2203450"/>
-          </a:xfrm>
-          <a:prstGeom prst="rect">
-            <a:avLst/>
-          </a:prstGeom>
-        </p:spPr>
-      </p:pic>
-      <p:pic>
-        <p:nvPicPr>
-          <p:cNvPr id="18" name="Picture 17" descr="A close up of a map&#10;&#10;Description automatically generated">
-            <a:extLst>
-              <a:ext uri="{FF2B5EF4-FFF2-40B4-BE49-F238E27FC236}">
-                <a16:creationId xmlns:a16="http://schemas.microsoft.com/office/drawing/2014/main" id="{E3FF9B83-EC7D-6F43-965C-4E4B8CF4C374}"/>
-              </a:ext>
-            </a:extLst>
-          </p:cNvPr>
-          <p:cNvPicPr>
-            <a:picLocks noChangeAspect="1"/>
-          </p:cNvPicPr>
-          <p:nvPr/>
-        </p:nvPicPr>
-        <p:blipFill>
-          <a:blip r:embed="rId7">
-            <a:extLst>
-              <a:ext uri="{28A0092B-C50C-407E-A947-70E740481C1C}">
-                <a14:useLocalDpi xmlns:a14="http://schemas.microsoft.com/office/drawing/2010/main" val="0"/>
-              </a:ext>
-            </a:extLst>
-          </a:blip>
-          <a:stretch>
-            <a:fillRect/>
-          </a:stretch>
-        </p:blipFill>
-        <p:spPr>
-          <a:xfrm>
-            <a:off x="7745413" y="47625"/>
-            <a:ext cx="2970213" cy="2190750"/>
-          </a:xfrm>
-          <a:prstGeom prst="rect">
-            <a:avLst/>
-          </a:prstGeom>
-        </p:spPr>
-      </p:pic>
-      <p:pic>
-        <p:nvPicPr>
-          <p:cNvPr id="20" name="Picture 19" descr="A close up of a map&#10;&#10;Description automatically generated">
-            <a:extLst>
-              <a:ext uri="{FF2B5EF4-FFF2-40B4-BE49-F238E27FC236}">
-                <a16:creationId xmlns:a16="http://schemas.microsoft.com/office/drawing/2014/main" id="{827871AE-C0B3-A94F-B991-7477F0FEB865}"/>
-              </a:ext>
-            </a:extLst>
-          </p:cNvPr>
-          <p:cNvPicPr>
-            <a:picLocks noChangeAspect="1"/>
-          </p:cNvPicPr>
-          <p:nvPr/>
-        </p:nvPicPr>
-        <p:blipFill>
-          <a:blip r:embed="rId8">
-            <a:extLst>
-              <a:ext uri="{28A0092B-C50C-407E-A947-70E740481C1C}">
-                <a14:useLocalDpi xmlns:a14="http://schemas.microsoft.com/office/drawing/2010/main" val="0"/>
-              </a:ext>
-            </a:extLst>
-          </a:blip>
-          <a:stretch>
-            <a:fillRect/>
-          </a:stretch>
-        </p:blipFill>
-        <p:spPr>
-          <a:xfrm>
-            <a:off x="4548188" y="47625"/>
-            <a:ext cx="3114675" cy="2190750"/>
-          </a:xfrm>
-          <a:prstGeom prst="rect">
-            <a:avLst/>
-          </a:prstGeom>
-        </p:spPr>
-      </p:pic>
-      <p:pic>
-        <p:nvPicPr>
-          <p:cNvPr id="22" name="Picture 21" descr="A close up of a map&#10;&#10;Description automatically generated">
-            <a:extLst>
-              <a:ext uri="{FF2B5EF4-FFF2-40B4-BE49-F238E27FC236}">
-                <a16:creationId xmlns:a16="http://schemas.microsoft.com/office/drawing/2014/main" id="{F8FFE655-9687-E245-84DB-5AF6CE85FCEB}"/>
-              </a:ext>
-            </a:extLst>
-          </p:cNvPr>
-          <p:cNvPicPr>
-            <a:picLocks noChangeAspect="1"/>
-          </p:cNvPicPr>
-          <p:nvPr/>
-        </p:nvPicPr>
-        <p:blipFill>
-          <a:blip r:embed="rId9">
-            <a:extLst>
-              <a:ext uri="{28A0092B-C50C-407E-A947-70E740481C1C}">
-                <a14:useLocalDpi xmlns:a14="http://schemas.microsoft.com/office/drawing/2010/main" val="0"/>
-              </a:ext>
-            </a:extLst>
-          </a:blip>
-          <a:stretch>
-            <a:fillRect/>
-          </a:stretch>
-        </p:blipFill>
-        <p:spPr>
-          <a:xfrm>
-            <a:off x="4551363" y="2320925"/>
-            <a:ext cx="3171825" cy="2217738"/>
-          </a:xfrm>
-          <a:prstGeom prst="rect">
-            <a:avLst/>
-          </a:prstGeom>
-        </p:spPr>
-      </p:pic>
-      <p:pic>
-        <p:nvPicPr>
-          <p:cNvPr id="24" name="Picture 23" descr="A close up of a map&#10;&#10;Description automatically generated">
-            <a:extLst>
-              <a:ext uri="{FF2B5EF4-FFF2-40B4-BE49-F238E27FC236}">
-                <a16:creationId xmlns:a16="http://schemas.microsoft.com/office/drawing/2014/main" id="{43F1760F-7945-F544-8054-39558BA235B1}"/>
-              </a:ext>
-            </a:extLst>
-          </p:cNvPr>
-          <p:cNvPicPr>
-            <a:picLocks noChangeAspect="1"/>
-          </p:cNvPicPr>
-          <p:nvPr/>
-        </p:nvPicPr>
-        <p:blipFill>
-          <a:blip r:embed="rId10">
-            <a:extLst>
-              <a:ext uri="{28A0092B-C50C-407E-A947-70E740481C1C}">
-                <a14:useLocalDpi xmlns:a14="http://schemas.microsoft.com/office/drawing/2010/main" val="0"/>
-              </a:ext>
-            </a:extLst>
-          </a:blip>
-          <a:stretch>
-            <a:fillRect/>
-          </a:stretch>
-        </p:blipFill>
-        <p:spPr>
-          <a:xfrm>
-            <a:off x="4633913" y="4619625"/>
-            <a:ext cx="2962275" cy="2203450"/>
           </a:xfrm>
           <a:prstGeom prst="rect">
             <a:avLst/>
@@ -4167,7 +3750,7 @@
     </p:spTree>
     <p:extLst>
       <p:ext uri="{BB962C8B-B14F-4D97-AF65-F5344CB8AC3E}">
-        <p14:creationId xmlns:p14="http://schemas.microsoft.com/office/powerpoint/2010/main" val="462559619"/>
+        <p14:creationId xmlns:p14="http://schemas.microsoft.com/office/powerpoint/2010/main" val="2682587355"/>
       </p:ext>
     </p:extLst>
   </p:cSld>
@@ -4177,7 +3760,7 @@
 </p:sld>
 </file>
 
-<file path=ppt/slides/slide5.xml><?xml version="1.0" encoding="utf-8"?>
+<file path=ppt/slides/slide4.xml><?xml version="1.0" encoding="utf-8"?>
 <p:sld xmlns:a="http://schemas.openxmlformats.org/drawingml/2006/main" xmlns:r="http://schemas.openxmlformats.org/officeDocument/2006/relationships" xmlns:p="http://schemas.openxmlformats.org/presentationml/2006/main">
   <p:cSld>
     <p:spTree>
@@ -4219,7 +3802,7 @@
                 <a:latin typeface="微软雅黑 Light" panose="020B0502040204020203" pitchFamily="34" charset="-122"/>
                 <a:ea typeface="微软雅黑 Light" panose="020B0502040204020203" pitchFamily="34" charset="-122"/>
               </a:rPr>
-              <a:t>Progress So far</a:t>
+              <a:t>Discussions</a:t>
             </a:r>
             <a:endParaRPr lang="zh-CN" altLang="en-US" dirty="0">
               <a:latin typeface="微软雅黑 Light" panose="020B0502040204020203" pitchFamily="34" charset="-122"/>
@@ -4230,10 +3813,10 @@
       </p:sp>
       <p:sp>
         <p:nvSpPr>
-          <p:cNvPr id="3" name="TextBox 2">
+          <p:cNvPr id="4" name="TextBox 3">
             <a:extLst>
               <a:ext uri="{FF2B5EF4-FFF2-40B4-BE49-F238E27FC236}">
-                <a16:creationId xmlns:a16="http://schemas.microsoft.com/office/drawing/2014/main" id="{B9C26E52-D8AA-2749-8F7A-787D3EB70FFA}"/>
+                <a16:creationId xmlns:a16="http://schemas.microsoft.com/office/drawing/2014/main" id="{40B5566F-8ACD-E747-96C0-68C3F6267500}"/>
               </a:ext>
             </a:extLst>
           </p:cNvPr>
@@ -4242,8 +3825,8 @@
         </p:nvSpPr>
         <p:spPr>
           <a:xfrm>
-            <a:off x="0" y="1042535"/>
-            <a:ext cx="12192000" cy="2677656"/>
+            <a:off x="-33453" y="1140506"/>
+            <a:ext cx="12455912" cy="3970318"/>
           </a:xfrm>
           <a:prstGeom prst="rect">
             <a:avLst/>
@@ -4256,94 +3839,72 @@
           </a:bodyPr>
           <a:lstStyle/>
           <a:p>
-            <a:pPr marL="457200" indent="-457200">
+            <a:pPr marL="285750" indent="-285750">
               <a:buFont typeface="Arial" panose="020B0604020202020204" pitchFamily="34" charset="0"/>
               <a:buChar char="•"/>
             </a:pPr>
             <a:r>
-              <a:rPr lang="en-US" sz="2400" b="1" dirty="0"/>
-              <a:t>GAZEBO Correctness Check</a:t>
-            </a:r>
-          </a:p>
-          <a:p>
-            <a:pPr marL="457200" indent="-457200">
+              <a:rPr lang="en-US" sz="2800" dirty="0"/>
+              <a:t>It seems that last time, model could not produce accurate prediction because my actions for planning are discrete and values, -1 or 1m are higher than the raw data</a:t>
+            </a:r>
+          </a:p>
+          <a:p>
+            <a:pPr marL="285750" indent="-285750">
               <a:buFont typeface="Arial" panose="020B0604020202020204" pitchFamily="34" charset="0"/>
               <a:buChar char="•"/>
             </a:pPr>
-            <a:r>
-              <a:rPr lang="en-US" sz="2400" b="1" dirty="0"/>
-              <a:t>Search for the best NN model</a:t>
-            </a:r>
-          </a:p>
-          <a:p>
-            <a:pPr marL="457200" indent="-457200">
+            <a:endParaRPr lang="en-US" sz="2800" dirty="0"/>
+          </a:p>
+          <a:p>
+            <a:pPr marL="285750" indent="-285750">
               <a:buFont typeface="Arial" panose="020B0604020202020204" pitchFamily="34" charset="0"/>
               <a:buChar char="•"/>
             </a:pPr>
             <a:r>
-              <a:rPr lang="en-US" sz="2400" b="1" dirty="0">
-                <a:solidFill>
-                  <a:srgbClr val="FF0000"/>
-                </a:solidFill>
-              </a:rPr>
-              <a:t>Plan using the best NN model </a:t>
-            </a:r>
-          </a:p>
-          <a:p>
-            <a:r>
-              <a:rPr lang="en-US" sz="2400" b="1" dirty="0">
-                <a:solidFill>
-                  <a:srgbClr val="FF0000"/>
-                </a:solidFill>
-              </a:rPr>
-              <a:t>       (Adjusted Planner: No node added into the search list if in the opposite direction)</a:t>
-            </a:r>
-          </a:p>
-          <a:p>
-            <a:pPr marL="457200" indent="-457200">
+              <a:rPr lang="en-US" sz="2800" dirty="0"/>
+              <a:t>Raw Data: (a1, a2) with a1 and a2 both continuous and within the range [-1, 1]</a:t>
+            </a:r>
+          </a:p>
+          <a:p>
+            <a:pPr marL="285750" indent="-285750">
               <a:buFont typeface="Arial" panose="020B0604020202020204" pitchFamily="34" charset="0"/>
               <a:buChar char="•"/>
             </a:pPr>
             <a:r>
-              <a:rPr lang="en-US" sz="2400" b="1" dirty="0">
-                <a:solidFill>
-                  <a:srgbClr val="FF0000"/>
-                </a:solidFill>
-              </a:rPr>
-              <a:t>Rollout the planned actions</a:t>
-            </a:r>
-          </a:p>
-          <a:p>
-            <a:pPr marL="457200" indent="-457200">
+              <a:rPr lang="en-US" sz="2800" dirty="0"/>
+              <a:t>My 8 actions for planning : (1,1), (1,0), (1,-1), (0,1), (0,-1), (-1,1), (-1,0), (-1,-1) </a:t>
+            </a:r>
+          </a:p>
+          <a:p>
+            <a:pPr marL="285750" indent="-285750">
               <a:buFont typeface="Arial" panose="020B0604020202020204" pitchFamily="34" charset="0"/>
               <a:buChar char="•"/>
             </a:pPr>
-            <a:r>
-              <a:rPr lang="en-US" sz="2400" b="1" dirty="0">
-                <a:solidFill>
-                  <a:srgbClr val="FF0000"/>
-                </a:solidFill>
-              </a:rPr>
-              <a:t>Issue Analysis</a:t>
-            </a:r>
-          </a:p>
-          <a:p>
-            <a:pPr marL="457200" indent="-457200">
+            <a:endParaRPr lang="en-US" sz="2800" dirty="0"/>
+          </a:p>
+          <a:p>
+            <a:pPr marL="285750" indent="-285750">
               <a:buFont typeface="Arial" panose="020B0604020202020204" pitchFamily="34" charset="0"/>
               <a:buChar char="•"/>
             </a:pPr>
-            <a:endParaRPr lang="en-US" sz="2400" b="1" dirty="0">
-              <a:solidFill>
-                <a:srgbClr val="FF0000"/>
-              </a:solidFill>
-            </a:endParaRPr>
+            <a:endParaRPr lang="en-US" sz="2800" dirty="0"/>
+          </a:p>
+          <a:p>
+            <a:pPr marL="285750" indent="-285750">
+              <a:buFont typeface="Arial" panose="020B0604020202020204" pitchFamily="34" charset="0"/>
+              <a:buChar char="•"/>
+            </a:pPr>
+            <a:r>
+              <a:rPr lang="en-US" sz="2800" dirty="0"/>
+              <a:t>How should we deal with this so that our rollout and model prediction can match each other more?</a:t>
+            </a:r>
           </a:p>
         </p:txBody>
       </p:sp>
     </p:spTree>
     <p:extLst>
       <p:ext uri="{BB962C8B-B14F-4D97-AF65-F5344CB8AC3E}">
-        <p14:creationId xmlns:p14="http://schemas.microsoft.com/office/powerpoint/2010/main" val="2466131027"/>
+        <p14:creationId xmlns:p14="http://schemas.microsoft.com/office/powerpoint/2010/main" val="1980411803"/>
       </p:ext>
     </p:extLst>
   </p:cSld>
@@ -4353,7 +3914,7 @@
 </p:sld>
 </file>
 
-<file path=ppt/slides/slide6.xml><?xml version="1.0" encoding="utf-8"?>
+<file path=ppt/slides/slide5.xml><?xml version="1.0" encoding="utf-8"?>
 <p:sld xmlns:a="http://schemas.openxmlformats.org/drawingml/2006/main" xmlns:r="http://schemas.openxmlformats.org/officeDocument/2006/relationships" xmlns:p="http://schemas.openxmlformats.org/presentationml/2006/main">
   <p:cSld>
     <p:spTree>
@@ -4453,7 +4014,7 @@
 </p:sld>
 </file>
 
-<file path=ppt/slides/slide7.xml><?xml version="1.0" encoding="utf-8"?>
+<file path=ppt/slides/slide6.xml><?xml version="1.0" encoding="utf-8"?>
 <p:sld xmlns:a="http://schemas.openxmlformats.org/drawingml/2006/main" xmlns:r="http://schemas.openxmlformats.org/officeDocument/2006/relationships" xmlns:p="http://schemas.openxmlformats.org/presentationml/2006/main">
   <p:cSld>
     <p:spTree>
@@ -4628,7 +4189,7 @@
 </p:sld>
 </file>
 
-<file path=ppt/slides/slide8.xml><?xml version="1.0" encoding="utf-8"?>
+<file path=ppt/slides/slide7.xml><?xml version="1.0" encoding="utf-8"?>
 <p:sld xmlns:a="http://schemas.openxmlformats.org/drawingml/2006/main" xmlns:r="http://schemas.openxmlformats.org/officeDocument/2006/relationships" xmlns:p="http://schemas.openxmlformats.org/presentationml/2006/main">
   <p:cSld>
     <p:bg>
@@ -5015,7 +4576,7 @@
 </p:sld>
 </file>
 
-<file path=ppt/slides/slide9.xml><?xml version="1.0" encoding="utf-8"?>
+<file path=ppt/slides/slide8.xml><?xml version="1.0" encoding="utf-8"?>
 <p:sld xmlns:a="http://schemas.openxmlformats.org/drawingml/2006/main" xmlns:r="http://schemas.openxmlformats.org/officeDocument/2006/relationships" xmlns:p="http://schemas.openxmlformats.org/presentationml/2006/main">
   <p:cSld>
     <p:spTree>

--- a/zs_sim_robot/meeting_7/meeting_7.pptx
+++ b/zs_sim_robot/meeting_7/meeting_7.pptx
@@ -5,17 +5,14 @@
     <p:sldMasterId id="2147483648" r:id="rId1"/>
   </p:sldMasterIdLst>
   <p:notesMasterIdLst>
-    <p:notesMasterId r:id="rId10"/>
+    <p:notesMasterId r:id="rId7"/>
   </p:notesMasterIdLst>
   <p:sldIdLst>
     <p:sldId id="256" r:id="rId2"/>
     <p:sldId id="429" r:id="rId3"/>
     <p:sldId id="434" r:id="rId4"/>
-    <p:sldId id="427" r:id="rId5"/>
-    <p:sldId id="430" r:id="rId6"/>
-    <p:sldId id="431" r:id="rId7"/>
-    <p:sldId id="432" r:id="rId8"/>
-    <p:sldId id="433" r:id="rId9"/>
+    <p:sldId id="430" r:id="rId5"/>
+    <p:sldId id="427" r:id="rId6"/>
   </p:sldIdLst>
   <p:sldSz cx="12192000" cy="6858000"/>
   <p:notesSz cx="6858000" cy="9144000"/>
@@ -3789,160 +3786,6 @@
         </p:nvSpPr>
         <p:spPr>
           <a:xfrm>
-            <a:off x="347831" y="-185057"/>
-            <a:ext cx="10515600" cy="1325563"/>
-          </a:xfrm>
-        </p:spPr>
-        <p:txBody>
-          <a:bodyPr/>
-          <a:lstStyle/>
-          <a:p>
-            <a:r>
-              <a:rPr lang="en-US" altLang="zh-CN" dirty="0">
-                <a:latin typeface="微软雅黑 Light" panose="020B0502040204020203" pitchFamily="34" charset="-122"/>
-                <a:ea typeface="微软雅黑 Light" panose="020B0502040204020203" pitchFamily="34" charset="-122"/>
-              </a:rPr>
-              <a:t>Discussions</a:t>
-            </a:r>
-            <a:endParaRPr lang="zh-CN" altLang="en-US" dirty="0">
-              <a:latin typeface="微软雅黑 Light" panose="020B0502040204020203" pitchFamily="34" charset="-122"/>
-              <a:ea typeface="微软雅黑 Light" panose="020B0502040204020203" pitchFamily="34" charset="-122"/>
-            </a:endParaRPr>
-          </a:p>
-        </p:txBody>
-      </p:sp>
-      <p:sp>
-        <p:nvSpPr>
-          <p:cNvPr id="4" name="TextBox 3">
-            <a:extLst>
-              <a:ext uri="{FF2B5EF4-FFF2-40B4-BE49-F238E27FC236}">
-                <a16:creationId xmlns:a16="http://schemas.microsoft.com/office/drawing/2014/main" id="{40B5566F-8ACD-E747-96C0-68C3F6267500}"/>
-              </a:ext>
-            </a:extLst>
-          </p:cNvPr>
-          <p:cNvSpPr txBox="1"/>
-          <p:nvPr/>
-        </p:nvSpPr>
-        <p:spPr>
-          <a:xfrm>
-            <a:off x="-33453" y="1140506"/>
-            <a:ext cx="12455912" cy="3970318"/>
-          </a:xfrm>
-          <a:prstGeom prst="rect">
-            <a:avLst/>
-          </a:prstGeom>
-          <a:noFill/>
-        </p:spPr>
-        <p:txBody>
-          <a:bodyPr wrap="square" rtlCol="0">
-            <a:spAutoFit/>
-          </a:bodyPr>
-          <a:lstStyle/>
-          <a:p>
-            <a:pPr marL="285750" indent="-285750">
-              <a:buFont typeface="Arial" panose="020B0604020202020204" pitchFamily="34" charset="0"/>
-              <a:buChar char="•"/>
-            </a:pPr>
-            <a:r>
-              <a:rPr lang="en-US" sz="2800" dirty="0"/>
-              <a:t>It seems that last time, model could not produce accurate prediction because my actions for planning are discrete and values, -1 or 1m are higher than the raw data</a:t>
-            </a:r>
-          </a:p>
-          <a:p>
-            <a:pPr marL="285750" indent="-285750">
-              <a:buFont typeface="Arial" panose="020B0604020202020204" pitchFamily="34" charset="0"/>
-              <a:buChar char="•"/>
-            </a:pPr>
-            <a:endParaRPr lang="en-US" sz="2800" dirty="0"/>
-          </a:p>
-          <a:p>
-            <a:pPr marL="285750" indent="-285750">
-              <a:buFont typeface="Arial" panose="020B0604020202020204" pitchFamily="34" charset="0"/>
-              <a:buChar char="•"/>
-            </a:pPr>
-            <a:r>
-              <a:rPr lang="en-US" sz="2800" dirty="0"/>
-              <a:t>Raw Data: (a1, a2) with a1 and a2 both continuous and within the range [-1, 1]</a:t>
-            </a:r>
-          </a:p>
-          <a:p>
-            <a:pPr marL="285750" indent="-285750">
-              <a:buFont typeface="Arial" panose="020B0604020202020204" pitchFamily="34" charset="0"/>
-              <a:buChar char="•"/>
-            </a:pPr>
-            <a:r>
-              <a:rPr lang="en-US" sz="2800" dirty="0"/>
-              <a:t>My 8 actions for planning : (1,1), (1,0), (1,-1), (0,1), (0,-1), (-1,1), (-1,0), (-1,-1) </a:t>
-            </a:r>
-          </a:p>
-          <a:p>
-            <a:pPr marL="285750" indent="-285750">
-              <a:buFont typeface="Arial" panose="020B0604020202020204" pitchFamily="34" charset="0"/>
-              <a:buChar char="•"/>
-            </a:pPr>
-            <a:endParaRPr lang="en-US" sz="2800" dirty="0"/>
-          </a:p>
-          <a:p>
-            <a:pPr marL="285750" indent="-285750">
-              <a:buFont typeface="Arial" panose="020B0604020202020204" pitchFamily="34" charset="0"/>
-              <a:buChar char="•"/>
-            </a:pPr>
-            <a:endParaRPr lang="en-US" sz="2800" dirty="0"/>
-          </a:p>
-          <a:p>
-            <a:pPr marL="285750" indent="-285750">
-              <a:buFont typeface="Arial" panose="020B0604020202020204" pitchFamily="34" charset="0"/>
-              <a:buChar char="•"/>
-            </a:pPr>
-            <a:r>
-              <a:rPr lang="en-US" sz="2800" dirty="0"/>
-              <a:t>How should we deal with this so that our rollout and model prediction can match each other more?</a:t>
-            </a:r>
-          </a:p>
-        </p:txBody>
-      </p:sp>
-    </p:spTree>
-    <p:extLst>
-      <p:ext uri="{BB962C8B-B14F-4D97-AF65-F5344CB8AC3E}">
-        <p14:creationId xmlns:p14="http://schemas.microsoft.com/office/powerpoint/2010/main" val="1980411803"/>
-      </p:ext>
-    </p:extLst>
-  </p:cSld>
-  <p:clrMapOvr>
-    <a:masterClrMapping/>
-  </p:clrMapOvr>
-</p:sld>
-</file>
-
-<file path=ppt/slides/slide5.xml><?xml version="1.0" encoding="utf-8"?>
-<p:sld xmlns:a="http://schemas.openxmlformats.org/drawingml/2006/main" xmlns:r="http://schemas.openxmlformats.org/officeDocument/2006/relationships" xmlns:p="http://schemas.openxmlformats.org/presentationml/2006/main">
-  <p:cSld>
-    <p:spTree>
-      <p:nvGrpSpPr>
-        <p:cNvPr id="1" name=""/>
-        <p:cNvGrpSpPr/>
-        <p:nvPr/>
-      </p:nvGrpSpPr>
-      <p:grpSpPr>
-        <a:xfrm>
-          <a:off x="0" y="0"/>
-          <a:ext cx="0" cy="0"/>
-          <a:chOff x="0" y="0"/>
-          <a:chExt cx="0" cy="0"/>
-        </a:xfrm>
-      </p:grpSpPr>
-      <p:sp>
-        <p:nvSpPr>
-          <p:cNvPr id="2" name="标题 1"/>
-          <p:cNvSpPr>
-            <a:spLocks noGrp="1"/>
-          </p:cNvSpPr>
-          <p:nvPr>
-            <p:ph type="title"/>
-          </p:nvPr>
-        </p:nvSpPr>
-        <p:spPr>
-          <a:xfrm>
             <a:off x="621335" y="-246792"/>
             <a:ext cx="10515600" cy="1325563"/>
           </a:xfrm>
@@ -3993,84 +3836,20 @@
         </p:blipFill>
         <p:spPr>
           <a:xfrm>
-            <a:off x="1991613" y="1725422"/>
-            <a:ext cx="7000319" cy="3646678"/>
+            <a:off x="475048" y="958111"/>
+            <a:ext cx="4464943" cy="2325924"/>
           </a:xfrm>
           <a:prstGeom prst="rect">
             <a:avLst/>
           </a:prstGeom>
         </p:spPr>
       </p:pic>
-    </p:spTree>
-    <p:extLst>
-      <p:ext uri="{BB962C8B-B14F-4D97-AF65-F5344CB8AC3E}">
-        <p14:creationId xmlns:p14="http://schemas.microsoft.com/office/powerpoint/2010/main" val="459250917"/>
-      </p:ext>
-    </p:extLst>
-  </p:cSld>
-  <p:clrMapOvr>
-    <a:masterClrMapping/>
-  </p:clrMapOvr>
-</p:sld>
-</file>
-
-<file path=ppt/slides/slide6.xml><?xml version="1.0" encoding="utf-8"?>
-<p:sld xmlns:a="http://schemas.openxmlformats.org/drawingml/2006/main" xmlns:r="http://schemas.openxmlformats.org/officeDocument/2006/relationships" xmlns:p="http://schemas.openxmlformats.org/presentationml/2006/main">
-  <p:cSld>
-    <p:spTree>
-      <p:nvGrpSpPr>
-        <p:cNvPr id="1" name=""/>
-        <p:cNvGrpSpPr/>
-        <p:nvPr/>
-      </p:nvGrpSpPr>
-      <p:grpSpPr>
-        <a:xfrm>
-          <a:off x="0" y="0"/>
-          <a:ext cx="0" cy="0"/>
-          <a:chOff x="0" y="0"/>
-          <a:chExt cx="0" cy="0"/>
-        </a:xfrm>
-      </p:grpSpPr>
-      <p:sp>
-        <p:nvSpPr>
-          <p:cNvPr id="2" name="标题 1"/>
-          <p:cNvSpPr>
-            <a:spLocks noGrp="1"/>
-          </p:cNvSpPr>
-          <p:nvPr>
-            <p:ph type="title"/>
-          </p:nvPr>
-        </p:nvSpPr>
-        <p:spPr>
-          <a:xfrm>
-            <a:off x="621335" y="-246792"/>
-            <a:ext cx="10515600" cy="1325563"/>
-          </a:xfrm>
-        </p:spPr>
-        <p:txBody>
-          <a:bodyPr/>
-          <a:lstStyle/>
-          <a:p>
-            <a:r>
-              <a:rPr lang="en-US" altLang="zh-CN" dirty="0">
-                <a:latin typeface="微软雅黑 Light" panose="020B0502040204020203" pitchFamily="34" charset="-122"/>
-                <a:ea typeface="微软雅黑 Light" panose="020B0502040204020203" pitchFamily="34" charset="-122"/>
-              </a:rPr>
-              <a:t>Issue Analysis</a:t>
-            </a:r>
-            <a:endParaRPr lang="zh-CN" altLang="en-US" dirty="0">
-              <a:latin typeface="微软雅黑 Light" panose="020B0502040204020203" pitchFamily="34" charset="-122"/>
-              <a:ea typeface="微软雅黑 Light" panose="020B0502040204020203" pitchFamily="34" charset="-122"/>
-            </a:endParaRPr>
-          </a:p>
-        </p:txBody>
-      </p:sp>
-      <p:sp>
-        <p:nvSpPr>
-          <p:cNvPr id="3" name="TextBox 2">
+      <p:sp>
+        <p:nvSpPr>
+          <p:cNvPr id="5" name="TextBox 4">
             <a:extLst>
               <a:ext uri="{FF2B5EF4-FFF2-40B4-BE49-F238E27FC236}">
-                <a16:creationId xmlns:a16="http://schemas.microsoft.com/office/drawing/2014/main" id="{8CE5C095-26CF-A345-A419-E26A6ECCD204}"/>
+                <a16:creationId xmlns:a16="http://schemas.microsoft.com/office/drawing/2014/main" id="{B55352C5-03A1-F74B-B904-5126FAF256B0}"/>
               </a:ext>
             </a:extLst>
           </p:cNvPr>
@@ -4079,8 +3858,8 @@
         </p:nvSpPr>
         <p:spPr>
           <a:xfrm>
-            <a:off x="347831" y="1140506"/>
-            <a:ext cx="12099073" cy="2062103"/>
+            <a:off x="777507" y="603858"/>
+            <a:ext cx="3896185" cy="369332"/>
           </a:xfrm>
           <a:prstGeom prst="rect">
             <a:avLst/>
@@ -4093,169 +3872,24 @@
           </a:bodyPr>
           <a:lstStyle/>
           <a:p>
-            <a:pPr marL="285750" indent="-285750">
-              <a:buFont typeface="Arial" panose="020B0604020202020204" pitchFamily="34" charset="0"/>
-              <a:buChar char="•"/>
-            </a:pPr>
-            <a:r>
-              <a:rPr lang="en-US" sz="2800" dirty="0"/>
-              <a:t>Planned Actions: 665 steps totally</a:t>
-            </a:r>
-          </a:p>
-          <a:p>
-            <a:pPr marL="342900" indent="-342900">
-              <a:buFont typeface="+mj-lt"/>
-              <a:buAutoNum type="arabicParenR"/>
-            </a:pPr>
-            <a:r>
-              <a:rPr lang="en-US" dirty="0"/>
-              <a:t>First 400 actions: (1, 1) (moving down)</a:t>
-            </a:r>
-          </a:p>
-          <a:p>
-            <a:pPr marL="342900" indent="-342900">
-              <a:buFont typeface="+mj-lt"/>
-              <a:buAutoNum type="arabicParenR"/>
-            </a:pPr>
-            <a:r>
-              <a:rPr lang="en-US" dirty="0"/>
-              <a:t>Later 265 actions: (1, 0) (moving right)</a:t>
-            </a:r>
-          </a:p>
-          <a:p>
-            <a:endParaRPr lang="en-US" dirty="0"/>
-          </a:p>
-          <a:p>
-            <a:endParaRPr lang="en-US" dirty="0"/>
-          </a:p>
-          <a:p>
-            <a:pPr marL="285750" indent="-285750">
-              <a:buFont typeface="Arial" panose="020B0604020202020204" pitchFamily="34" charset="0"/>
-              <a:buChar char="•"/>
-            </a:pPr>
-            <a:r>
-              <a:rPr lang="en-US" sz="2800" dirty="0"/>
-              <a:t>Rollout path: collision with obstacle after about 598 steps </a:t>
-            </a:r>
+            <a:r>
+              <a:rPr lang="en-US" b="1" dirty="0"/>
+              <a:t>dist_sofar+1000*</a:t>
+            </a:r>
+            <a:r>
+              <a:rPr lang="en-US" b="1" dirty="0" err="1"/>
+              <a:t>check_turnback</a:t>
+            </a:r>
+            <a:endParaRPr lang="en-US" b="1" dirty="0"/>
           </a:p>
         </p:txBody>
       </p:sp>
       <p:pic>
         <p:nvPicPr>
-          <p:cNvPr id="4" name="Picture 3" descr="A picture containing umbrella, drawing&#10;&#10;Description automatically generated">
+          <p:cNvPr id="7" name="Picture 6" descr="A picture containing umbrella, drawing&#10;&#10;Description automatically generated">
             <a:extLst>
               <a:ext uri="{FF2B5EF4-FFF2-40B4-BE49-F238E27FC236}">
-                <a16:creationId xmlns:a16="http://schemas.microsoft.com/office/drawing/2014/main" id="{5AFCA900-E5C4-2C45-937B-D49F7D99BE08}"/>
-              </a:ext>
-            </a:extLst>
-          </p:cNvPr>
-          <p:cNvPicPr>
-            <a:picLocks noChangeAspect="1"/>
-          </p:cNvPicPr>
-          <p:nvPr/>
-        </p:nvPicPr>
-        <p:blipFill>
-          <a:blip r:embed="rId2">
-            <a:extLst>
-              <a:ext uri="{28A0092B-C50C-407E-A947-70E740481C1C}">
-                <a14:useLocalDpi xmlns:a14="http://schemas.microsoft.com/office/drawing/2010/main" val="0"/>
-              </a:ext>
-            </a:extLst>
-          </a:blip>
-          <a:stretch>
-            <a:fillRect/>
-          </a:stretch>
-        </p:blipFill>
-        <p:spPr>
-          <a:xfrm>
-            <a:off x="1888743" y="3429000"/>
-            <a:ext cx="5968093" cy="3108960"/>
-          </a:xfrm>
-          <a:prstGeom prst="rect">
-            <a:avLst/>
-          </a:prstGeom>
-        </p:spPr>
-      </p:pic>
-    </p:spTree>
-    <p:extLst>
-      <p:ext uri="{BB962C8B-B14F-4D97-AF65-F5344CB8AC3E}">
-        <p14:creationId xmlns:p14="http://schemas.microsoft.com/office/powerpoint/2010/main" val="195142386"/>
-      </p:ext>
-    </p:extLst>
-  </p:cSld>
-  <p:clrMapOvr>
-    <a:masterClrMapping/>
-  </p:clrMapOvr>
-</p:sld>
-</file>
-
-<file path=ppt/slides/slide7.xml><?xml version="1.0" encoding="utf-8"?>
-<p:sld xmlns:a="http://schemas.openxmlformats.org/drawingml/2006/main" xmlns:r="http://schemas.openxmlformats.org/officeDocument/2006/relationships" xmlns:p="http://schemas.openxmlformats.org/presentationml/2006/main">
-  <p:cSld>
-    <p:bg>
-      <p:bgPr>
-        <a:solidFill>
-          <a:schemeClr val="bg1"/>
-        </a:solidFill>
-        <a:effectLst/>
-      </p:bgPr>
-    </p:bg>
-    <p:spTree>
-      <p:nvGrpSpPr>
-        <p:cNvPr id="1" name=""/>
-        <p:cNvGrpSpPr/>
-        <p:nvPr/>
-      </p:nvGrpSpPr>
-      <p:grpSpPr>
-        <a:xfrm>
-          <a:off x="0" y="0"/>
-          <a:ext cx="0" cy="0"/>
-          <a:chOff x="0" y="0"/>
-          <a:chExt cx="0" cy="0"/>
-        </a:xfrm>
-      </p:grpSpPr>
-      <p:pic>
-        <p:nvPicPr>
-          <p:cNvPr id="40" name="Picture 39" descr="A close up of a map&#10;&#10;Description automatically generated">
-            <a:extLst>
-              <a:ext uri="{FF2B5EF4-FFF2-40B4-BE49-F238E27FC236}">
-                <a16:creationId xmlns:a16="http://schemas.microsoft.com/office/drawing/2014/main" id="{D62159CE-1F5F-5A40-87FE-B6EF11DE6CDC}"/>
-              </a:ext>
-            </a:extLst>
-          </p:cNvPr>
-          <p:cNvPicPr>
-            <a:picLocks noChangeAspect="1"/>
-          </p:cNvPicPr>
-          <p:nvPr/>
-        </p:nvPicPr>
-        <p:blipFill>
-          <a:blip r:embed="rId2">
-            <a:extLst>
-              <a:ext uri="{28A0092B-C50C-407E-A947-70E740481C1C}">
-                <a14:useLocalDpi xmlns:a14="http://schemas.microsoft.com/office/drawing/2010/main" val="0"/>
-              </a:ext>
-            </a:extLst>
-          </a:blip>
-          <a:stretch>
-            <a:fillRect/>
-          </a:stretch>
-        </p:blipFill>
-        <p:spPr>
-          <a:xfrm>
-            <a:off x="484867" y="2727552"/>
-            <a:ext cx="3609975" cy="1704975"/>
-          </a:xfrm>
-          <a:prstGeom prst="rect">
-            <a:avLst/>
-          </a:prstGeom>
-        </p:spPr>
-      </p:pic>
-      <p:pic>
-        <p:nvPicPr>
-          <p:cNvPr id="42" name="Picture 41" descr="A close up of a map&#10;&#10;Description automatically generated">
-            <a:extLst>
-              <a:ext uri="{FF2B5EF4-FFF2-40B4-BE49-F238E27FC236}">
-                <a16:creationId xmlns:a16="http://schemas.microsoft.com/office/drawing/2014/main" id="{841746F5-AEAD-7F4B-99E2-56D1B79C737B}"/>
+                <a16:creationId xmlns:a16="http://schemas.microsoft.com/office/drawing/2014/main" id="{A4C6F752-7370-0B40-9D3A-C8CB2681F520}"/>
               </a:ext>
             </a:extLst>
           </p:cNvPr>
@@ -4278,8 +3912,8 @@
         </p:blipFill>
         <p:spPr>
           <a:xfrm>
-            <a:off x="4390117" y="2995045"/>
-            <a:ext cx="3676650" cy="1736725"/>
+            <a:off x="6300845" y="766117"/>
+            <a:ext cx="5158661" cy="2708656"/>
           </a:xfrm>
           <a:prstGeom prst="rect">
             <a:avLst/>
@@ -4288,10 +3922,10 @@
       </p:pic>
       <p:pic>
         <p:nvPicPr>
-          <p:cNvPr id="44" name="Picture 43" descr="A close up of a map&#10;&#10;Description automatically generated">
+          <p:cNvPr id="9" name="Picture 8" descr="A picture containing umbrella, drawing&#10;&#10;Description automatically generated">
             <a:extLst>
               <a:ext uri="{FF2B5EF4-FFF2-40B4-BE49-F238E27FC236}">
-                <a16:creationId xmlns:a16="http://schemas.microsoft.com/office/drawing/2014/main" id="{D4FAE77A-9FC7-2A46-B143-759CC0534FAE}"/>
+                <a16:creationId xmlns:a16="http://schemas.microsoft.com/office/drawing/2014/main" id="{1C9C6175-143F-3A42-955D-26865C3024E6}"/>
               </a:ext>
             </a:extLst>
           </p:cNvPr>
@@ -4314,20 +3948,140 @@
         </p:blipFill>
         <p:spPr>
           <a:xfrm>
-            <a:off x="8149317" y="2949802"/>
-            <a:ext cx="3757613" cy="1704975"/>
+            <a:off x="161693" y="3801679"/>
+            <a:ext cx="5640852" cy="2961220"/>
           </a:xfrm>
           <a:prstGeom prst="rect">
             <a:avLst/>
           </a:prstGeom>
         </p:spPr>
       </p:pic>
+      <p:sp>
+        <p:nvSpPr>
+          <p:cNvPr id="10" name="TextBox 9">
+            <a:extLst>
+              <a:ext uri="{FF2B5EF4-FFF2-40B4-BE49-F238E27FC236}">
+                <a16:creationId xmlns:a16="http://schemas.microsoft.com/office/drawing/2014/main" id="{DFA4E435-3D84-6C41-A850-E0C8DC34628D}"/>
+              </a:ext>
+            </a:extLst>
+          </p:cNvPr>
+          <p:cNvSpPr txBox="1"/>
+          <p:nvPr/>
+        </p:nvSpPr>
+        <p:spPr>
+          <a:xfrm>
+            <a:off x="161693" y="3421146"/>
+            <a:ext cx="5436219" cy="369332"/>
+          </a:xfrm>
+          <a:prstGeom prst="rect">
+            <a:avLst/>
+          </a:prstGeom>
+          <a:noFill/>
+        </p:spPr>
+        <p:txBody>
+          <a:bodyPr wrap="square" rtlCol="0">
+            <a:spAutoFit/>
+          </a:bodyPr>
+          <a:lstStyle/>
+          <a:p>
+            <a:r>
+              <a:rPr lang="en-US" b="1" dirty="0"/>
+              <a:t>dist_sofar+100*check_action+1000*</a:t>
+            </a:r>
+            <a:r>
+              <a:rPr lang="en-US" b="1" dirty="0" err="1"/>
+              <a:t>check_turnback</a:t>
+            </a:r>
+            <a:endParaRPr lang="en-US" b="1" dirty="0"/>
+          </a:p>
+        </p:txBody>
+      </p:sp>
+      <p:sp>
+        <p:nvSpPr>
+          <p:cNvPr id="11" name="TextBox 10">
+            <a:extLst>
+              <a:ext uri="{FF2B5EF4-FFF2-40B4-BE49-F238E27FC236}">
+                <a16:creationId xmlns:a16="http://schemas.microsoft.com/office/drawing/2014/main" id="{82D5A526-B3D8-9041-BCE4-EA4980515779}"/>
+              </a:ext>
+            </a:extLst>
+          </p:cNvPr>
+          <p:cNvSpPr txBox="1"/>
+          <p:nvPr/>
+        </p:nvSpPr>
+        <p:spPr>
+          <a:xfrm>
+            <a:off x="6835417" y="496413"/>
+            <a:ext cx="4836090" cy="369332"/>
+          </a:xfrm>
+          <a:prstGeom prst="rect">
+            <a:avLst/>
+          </a:prstGeom>
+          <a:noFill/>
+        </p:spPr>
+        <p:txBody>
+          <a:bodyPr wrap="square" rtlCol="0">
+            <a:spAutoFit/>
+          </a:bodyPr>
+          <a:lstStyle/>
+          <a:p>
+            <a:r>
+              <a:rPr lang="en-US" b="1" dirty="0"/>
+              <a:t>dist_sofar+10*dist_togoal+1000*</a:t>
+            </a:r>
+            <a:r>
+              <a:rPr lang="en-US" b="1" dirty="0" err="1"/>
+              <a:t>check_turnback</a:t>
+            </a:r>
+            <a:endParaRPr lang="en-US" b="1" dirty="0"/>
+          </a:p>
+        </p:txBody>
+      </p:sp>
+      <p:sp>
+        <p:nvSpPr>
+          <p:cNvPr id="12" name="TextBox 11">
+            <a:extLst>
+              <a:ext uri="{FF2B5EF4-FFF2-40B4-BE49-F238E27FC236}">
+                <a16:creationId xmlns:a16="http://schemas.microsoft.com/office/drawing/2014/main" id="{7D957E5E-D51D-C942-97A9-5C48782D13C1}"/>
+              </a:ext>
+            </a:extLst>
+          </p:cNvPr>
+          <p:cNvSpPr txBox="1"/>
+          <p:nvPr/>
+        </p:nvSpPr>
+        <p:spPr>
+          <a:xfrm>
+            <a:off x="5597912" y="3432347"/>
+            <a:ext cx="7114952" cy="369332"/>
+          </a:xfrm>
+          <a:prstGeom prst="rect">
+            <a:avLst/>
+          </a:prstGeom>
+          <a:noFill/>
+        </p:spPr>
+        <p:txBody>
+          <a:bodyPr wrap="square" rtlCol="0">
+            <a:spAutoFit/>
+          </a:bodyPr>
+          <a:lstStyle/>
+          <a:p>
+            <a:r>
+              <a:rPr lang="en-US" b="1" dirty="0"/>
+              <a:t>dist_sofar+10*dist_togoal+100*check_action+1000*</a:t>
+            </a:r>
+            <a:r>
+              <a:rPr lang="en-US" b="1" dirty="0" err="1"/>
+              <a:t>check_turnback</a:t>
+            </a:r>
+            <a:endParaRPr lang="en-US" b="1" dirty="0"/>
+          </a:p>
+        </p:txBody>
+      </p:sp>
       <p:pic>
         <p:nvPicPr>
-          <p:cNvPr id="46" name="Picture 45" descr="A close up of a map&#10;&#10;Description automatically generated">
+          <p:cNvPr id="14" name="Picture 13" descr="A picture containing umbrella, drawing&#10;&#10;Description automatically generated">
             <a:extLst>
               <a:ext uri="{FF2B5EF4-FFF2-40B4-BE49-F238E27FC236}">
-                <a16:creationId xmlns:a16="http://schemas.microsoft.com/office/drawing/2014/main" id="{B31E675E-FF3D-8F4E-AA24-BCE81C18621E}"/>
+                <a16:creationId xmlns:a16="http://schemas.microsoft.com/office/drawing/2014/main" id="{0B330FA3-D07C-ED49-AF7C-518DF9BA4E9E}"/>
               </a:ext>
             </a:extLst>
           </p:cNvPr>
@@ -4350,223 +4104,18 @@
         </p:blipFill>
         <p:spPr>
           <a:xfrm>
-            <a:off x="4416310" y="4859088"/>
-            <a:ext cx="3622675" cy="1704975"/>
+            <a:off x="6385799" y="3889021"/>
+            <a:ext cx="5436219" cy="2874650"/>
           </a:xfrm>
           <a:prstGeom prst="rect">
             <a:avLst/>
           </a:prstGeom>
         </p:spPr>
       </p:pic>
-      <p:pic>
-        <p:nvPicPr>
-          <p:cNvPr id="50" name="Picture 49" descr="A close up of a map&#10;&#10;Description automatically generated">
-            <a:extLst>
-              <a:ext uri="{FF2B5EF4-FFF2-40B4-BE49-F238E27FC236}">
-                <a16:creationId xmlns:a16="http://schemas.microsoft.com/office/drawing/2014/main" id="{3138AB52-35A4-674C-AF1A-35C72F1291D6}"/>
-              </a:ext>
-            </a:extLst>
-          </p:cNvPr>
-          <p:cNvPicPr>
-            <a:picLocks noChangeAspect="1"/>
-          </p:cNvPicPr>
-          <p:nvPr/>
-        </p:nvPicPr>
-        <p:blipFill>
-          <a:blip r:embed="rId6">
-            <a:extLst>
-              <a:ext uri="{28A0092B-C50C-407E-A947-70E740481C1C}">
-                <a14:useLocalDpi xmlns:a14="http://schemas.microsoft.com/office/drawing/2010/main" val="0"/>
-              </a:ext>
-            </a:extLst>
-          </a:blip>
-          <a:stretch>
-            <a:fillRect/>
-          </a:stretch>
-        </p:blipFill>
-        <p:spPr>
-          <a:xfrm>
-            <a:off x="623773" y="1020989"/>
-            <a:ext cx="3705225" cy="1706563"/>
-          </a:xfrm>
-          <a:prstGeom prst="rect">
-            <a:avLst/>
-          </a:prstGeom>
-        </p:spPr>
-      </p:pic>
-      <p:pic>
-        <p:nvPicPr>
-          <p:cNvPr id="52" name="Picture 51" descr="A close up of a map&#10;&#10;Description automatically generated">
-            <a:extLst>
-              <a:ext uri="{FF2B5EF4-FFF2-40B4-BE49-F238E27FC236}">
-                <a16:creationId xmlns:a16="http://schemas.microsoft.com/office/drawing/2014/main" id="{64CAD21F-4745-FE4C-B1A1-F8C08829794E}"/>
-              </a:ext>
-            </a:extLst>
-          </p:cNvPr>
-          <p:cNvPicPr>
-            <a:picLocks noChangeAspect="1"/>
-          </p:cNvPicPr>
-          <p:nvPr/>
-        </p:nvPicPr>
-        <p:blipFill>
-          <a:blip r:embed="rId7">
-            <a:extLst>
-              <a:ext uri="{28A0092B-C50C-407E-A947-70E740481C1C}">
-                <a14:useLocalDpi xmlns:a14="http://schemas.microsoft.com/office/drawing/2010/main" val="0"/>
-              </a:ext>
-            </a:extLst>
-          </a:blip>
-          <a:stretch>
-            <a:fillRect/>
-          </a:stretch>
-        </p:blipFill>
-        <p:spPr>
-          <a:xfrm>
-            <a:off x="484867" y="4934494"/>
-            <a:ext cx="3905250" cy="1736725"/>
-          </a:xfrm>
-          <a:prstGeom prst="rect">
-            <a:avLst/>
-          </a:prstGeom>
-        </p:spPr>
-      </p:pic>
-      <p:pic>
-        <p:nvPicPr>
-          <p:cNvPr id="54" name="Picture 53" descr="A close up of a map&#10;&#10;Description automatically generated">
-            <a:extLst>
-              <a:ext uri="{FF2B5EF4-FFF2-40B4-BE49-F238E27FC236}">
-                <a16:creationId xmlns:a16="http://schemas.microsoft.com/office/drawing/2014/main" id="{DCB881B0-0450-604F-BB2D-FB1D8C2CC09D}"/>
-              </a:ext>
-            </a:extLst>
-          </p:cNvPr>
-          <p:cNvPicPr>
-            <a:picLocks noChangeAspect="1"/>
-          </p:cNvPicPr>
-          <p:nvPr/>
-        </p:nvPicPr>
-        <p:blipFill>
-          <a:blip r:embed="rId8">
-            <a:extLst>
-              <a:ext uri="{28A0092B-C50C-407E-A947-70E740481C1C}">
-                <a14:useLocalDpi xmlns:a14="http://schemas.microsoft.com/office/drawing/2010/main" val="0"/>
-              </a:ext>
-            </a:extLst>
-          </a:blip>
-          <a:stretch>
-            <a:fillRect/>
-          </a:stretch>
-        </p:blipFill>
-        <p:spPr>
-          <a:xfrm>
-            <a:off x="4428217" y="1161164"/>
-            <a:ext cx="3598863" cy="1706563"/>
-          </a:xfrm>
-          <a:prstGeom prst="rect">
-            <a:avLst/>
-          </a:prstGeom>
-        </p:spPr>
-      </p:pic>
-      <p:pic>
-        <p:nvPicPr>
-          <p:cNvPr id="56" name="Picture 55" descr="A close up of a map&#10;&#10;Description automatically generated">
-            <a:extLst>
-              <a:ext uri="{FF2B5EF4-FFF2-40B4-BE49-F238E27FC236}">
-                <a16:creationId xmlns:a16="http://schemas.microsoft.com/office/drawing/2014/main" id="{3422728D-E599-7647-AD67-4303D39B6B5A}"/>
-              </a:ext>
-            </a:extLst>
-          </p:cNvPr>
-          <p:cNvPicPr>
-            <a:picLocks noChangeAspect="1"/>
-          </p:cNvPicPr>
-          <p:nvPr/>
-        </p:nvPicPr>
-        <p:blipFill>
-          <a:blip r:embed="rId9">
-            <a:extLst>
-              <a:ext uri="{28A0092B-C50C-407E-A947-70E740481C1C}">
-                <a14:useLocalDpi xmlns:a14="http://schemas.microsoft.com/office/drawing/2010/main" val="0"/>
-              </a:ext>
-            </a:extLst>
-          </a:blip>
-          <a:stretch>
-            <a:fillRect/>
-          </a:stretch>
-        </p:blipFill>
-        <p:spPr>
-          <a:xfrm>
-            <a:off x="8149317" y="1081314"/>
-            <a:ext cx="3687763" cy="1706563"/>
-          </a:xfrm>
-          <a:prstGeom prst="rect">
-            <a:avLst/>
-          </a:prstGeom>
-        </p:spPr>
-      </p:pic>
-      <p:sp>
-        <p:nvSpPr>
-          <p:cNvPr id="62" name="标题 1">
-            <a:extLst>
-              <a:ext uri="{FF2B5EF4-FFF2-40B4-BE49-F238E27FC236}">
-                <a16:creationId xmlns:a16="http://schemas.microsoft.com/office/drawing/2014/main" id="{967382B5-3655-ED40-9575-2F05AA22EB0C}"/>
-              </a:ext>
-            </a:extLst>
-          </p:cNvPr>
-          <p:cNvSpPr txBox="1">
-            <a:spLocks/>
-          </p:cNvSpPr>
-          <p:nvPr/>
-        </p:nvSpPr>
-        <p:spPr>
-          <a:xfrm>
-            <a:off x="621335" y="-246792"/>
-            <a:ext cx="10515600" cy="1325563"/>
-          </a:xfrm>
-          <a:prstGeom prst="rect">
-            <a:avLst/>
-          </a:prstGeom>
-        </p:spPr>
-        <p:txBody>
-          <a:bodyPr vert="horz" lIns="91440" tIns="45720" rIns="91440" bIns="45720" rtlCol="0" anchor="ctr">
-            <a:normAutofit/>
-          </a:bodyPr>
-          <a:lstStyle>
-            <a:lvl1pPr algn="l" defTabSz="914400" rtl="0" eaLnBrk="1" latinLnBrk="0" hangingPunct="1">
-              <a:lnSpc>
-                <a:spcPct val="90000"/>
-              </a:lnSpc>
-              <a:spcBef>
-                <a:spcPct val="0"/>
-              </a:spcBef>
-              <a:buNone/>
-              <a:defRPr sz="4400" kern="1200">
-                <a:solidFill>
-                  <a:schemeClr val="tx1"/>
-                </a:solidFill>
-                <a:latin typeface="+mj-lt"/>
-                <a:ea typeface="+mj-ea"/>
-                <a:cs typeface="+mj-cs"/>
-              </a:defRPr>
-            </a:lvl1pPr>
-          </a:lstStyle>
-          <a:p>
-            <a:r>
-              <a:rPr lang="en-US" altLang="zh-CN" dirty="0">
-                <a:latin typeface="微软雅黑 Light" panose="020B0502040204020203" pitchFamily="34" charset="-122"/>
-                <a:ea typeface="微软雅黑 Light" panose="020B0502040204020203" pitchFamily="34" charset="-122"/>
-              </a:rPr>
-              <a:t>Step-by-Step Analysis</a:t>
-            </a:r>
-            <a:endParaRPr lang="zh-CN" altLang="en-US" dirty="0">
-              <a:latin typeface="微软雅黑 Light" panose="020B0502040204020203" pitchFamily="34" charset="-122"/>
-              <a:ea typeface="微软雅黑 Light" panose="020B0502040204020203" pitchFamily="34" charset="-122"/>
-            </a:endParaRPr>
-          </a:p>
-        </p:txBody>
-      </p:sp>
     </p:spTree>
     <p:extLst>
       <p:ext uri="{BB962C8B-B14F-4D97-AF65-F5344CB8AC3E}">
-        <p14:creationId xmlns:p14="http://schemas.microsoft.com/office/powerpoint/2010/main" val="3070289396"/>
+        <p14:creationId xmlns:p14="http://schemas.microsoft.com/office/powerpoint/2010/main" val="459250917"/>
       </p:ext>
     </p:extLst>
   </p:cSld>
@@ -4576,7 +4125,7 @@
 </p:sld>
 </file>
 
-<file path=ppt/slides/slide8.xml><?xml version="1.0" encoding="utf-8"?>
+<file path=ppt/slides/slide5.xml><?xml version="1.0" encoding="utf-8"?>
 <p:sld xmlns:a="http://schemas.openxmlformats.org/drawingml/2006/main" xmlns:r="http://schemas.openxmlformats.org/officeDocument/2006/relationships" xmlns:p="http://schemas.openxmlformats.org/presentationml/2006/main">
   <p:cSld>
     <p:spTree>
@@ -4595,57 +4144,30 @@
       </p:grpSpPr>
       <p:sp>
         <p:nvSpPr>
-          <p:cNvPr id="62" name="标题 1">
-            <a:extLst>
-              <a:ext uri="{FF2B5EF4-FFF2-40B4-BE49-F238E27FC236}">
-                <a16:creationId xmlns:a16="http://schemas.microsoft.com/office/drawing/2014/main" id="{967382B5-3655-ED40-9575-2F05AA22EB0C}"/>
-              </a:ext>
-            </a:extLst>
-          </p:cNvPr>
-          <p:cNvSpPr txBox="1">
-            <a:spLocks/>
-          </p:cNvSpPr>
-          <p:nvPr/>
+          <p:cNvPr id="2" name="标题 1"/>
+          <p:cNvSpPr>
+            <a:spLocks noGrp="1"/>
+          </p:cNvSpPr>
+          <p:nvPr>
+            <p:ph type="title"/>
+          </p:nvPr>
         </p:nvSpPr>
         <p:spPr>
           <a:xfrm>
-            <a:off x="132385" y="-386492"/>
+            <a:off x="347831" y="-185057"/>
             <a:ext cx="10515600" cy="1325563"/>
           </a:xfrm>
-          <a:prstGeom prst="rect">
-            <a:avLst/>
-          </a:prstGeom>
         </p:spPr>
         <p:txBody>
-          <a:bodyPr vert="horz" lIns="91440" tIns="45720" rIns="91440" bIns="45720" rtlCol="0" anchor="ctr">
-            <a:normAutofit/>
-          </a:bodyPr>
-          <a:lstStyle>
-            <a:lvl1pPr algn="l" defTabSz="914400" rtl="0" eaLnBrk="1" latinLnBrk="0" hangingPunct="1">
-              <a:lnSpc>
-                <a:spcPct val="90000"/>
-              </a:lnSpc>
-              <a:spcBef>
-                <a:spcPct val="0"/>
-              </a:spcBef>
-              <a:buNone/>
-              <a:defRPr sz="4400" kern="1200">
-                <a:solidFill>
-                  <a:schemeClr val="tx1"/>
-                </a:solidFill>
-                <a:latin typeface="+mj-lt"/>
-                <a:ea typeface="+mj-ea"/>
-                <a:cs typeface="+mj-cs"/>
-              </a:defRPr>
-            </a:lvl1pPr>
-          </a:lstStyle>
+          <a:bodyPr/>
+          <a:lstStyle/>
           <a:p>
             <a:r>
               <a:rPr lang="en-US" altLang="zh-CN" dirty="0">
                 <a:latin typeface="微软雅黑 Light" panose="020B0502040204020203" pitchFamily="34" charset="-122"/>
                 <a:ea typeface="微软雅黑 Light" panose="020B0502040204020203" pitchFamily="34" charset="-122"/>
               </a:rPr>
-              <a:t>Discussion</a:t>
+              <a:t>Discussions</a:t>
             </a:r>
             <a:endParaRPr lang="zh-CN" altLang="en-US" dirty="0">
               <a:latin typeface="微软雅黑 Light" panose="020B0502040204020203" pitchFamily="34" charset="-122"/>
@@ -4656,10 +4178,10 @@
       </p:sp>
       <p:sp>
         <p:nvSpPr>
-          <p:cNvPr id="11" name="TextBox 10">
+          <p:cNvPr id="4" name="TextBox 3">
             <a:extLst>
               <a:ext uri="{FF2B5EF4-FFF2-40B4-BE49-F238E27FC236}">
-                <a16:creationId xmlns:a16="http://schemas.microsoft.com/office/drawing/2014/main" id="{43AAEA27-89A4-7248-BDCE-04AA6227BCA3}"/>
+                <a16:creationId xmlns:a16="http://schemas.microsoft.com/office/drawing/2014/main" id="{40B5566F-8ACD-E747-96C0-68C3F6267500}"/>
               </a:ext>
             </a:extLst>
           </p:cNvPr>
@@ -4668,8 +4190,8 @@
         </p:nvSpPr>
         <p:spPr>
           <a:xfrm>
-            <a:off x="132385" y="415989"/>
-            <a:ext cx="12052300" cy="6555641"/>
+            <a:off x="-33453" y="1140506"/>
+            <a:ext cx="12455912" cy="3970318"/>
           </a:xfrm>
           <a:prstGeom prst="rect">
             <a:avLst/>
@@ -4688,7 +4210,7 @@
             </a:pPr>
             <a:r>
               <a:rPr lang="en-US" sz="2800" dirty="0"/>
-              <a:t>Model is not accurate enough in some cases</a:t>
+              <a:t>It seems that last time, model could not produce accurate prediction because my actions for planning are discrete and values, -1 or 1m are higher than the raw data</a:t>
             </a:r>
           </a:p>
           <a:p>
@@ -4696,53 +4218,50 @@
               <a:buFont typeface="Arial" panose="020B0604020202020204" pitchFamily="34" charset="0"/>
               <a:buChar char="•"/>
             </a:pPr>
-            <a:r>
-              <a:rPr lang="en-US" sz="2800" dirty="0"/>
-              <a:t>Possible cases might be:</a:t>
-            </a:r>
-          </a:p>
-          <a:p>
-            <a:pPr marL="742950" lvl="1" indent="-285750">
+            <a:endParaRPr lang="en-US" sz="2800" dirty="0"/>
+          </a:p>
+          <a:p>
+            <a:pPr marL="285750" indent="-285750">
               <a:buFont typeface="Arial" panose="020B0604020202020204" pitchFamily="34" charset="0"/>
               <a:buChar char="•"/>
             </a:pPr>
             <a:r>
               <a:rPr lang="en-US" sz="2800" dirty="0"/>
-              <a:t>After many trivial steps are executed, such as 400 steps of (1, 1) only leading to a very small progress, the model became inaccurate. (Raw data has never such cases, like 400 steps of (1,1) pushing gripper to move downside. So, the NN model never learned such cases)</a:t>
-            </a:r>
-          </a:p>
-          <a:p>
-            <a:pPr marL="742950" lvl="1" indent="-285750">
+              <a:t>Raw Data: (a1, a2) with a1 and a2 both continuous and within the range [-1, 1]</a:t>
+            </a:r>
+          </a:p>
+          <a:p>
+            <a:pPr marL="285750" indent="-285750">
+              <a:buFont typeface="Arial" panose="020B0604020202020204" pitchFamily="34" charset="0"/>
+              <a:buChar char="•"/>
+            </a:pPr>
+            <a:r>
+              <a:rPr lang="en-US" sz="2800" dirty="0"/>
+              <a:t>My 8 actions for planning : (1,1), (1,0), (1,-1), (0,1), (0,-1), (-1,1), (-1,0), (-1,-1) </a:t>
+            </a:r>
+          </a:p>
+          <a:p>
+            <a:pPr marL="285750" indent="-285750">
               <a:buFont typeface="Arial" panose="020B0604020202020204" pitchFamily="34" charset="0"/>
               <a:buChar char="•"/>
             </a:pPr>
             <a:endParaRPr lang="en-US" sz="2800" dirty="0"/>
           </a:p>
           <a:p>
-            <a:pPr marL="742950" lvl="1" indent="-285750">
-              <a:buFont typeface="Arial" panose="020B0604020202020204" pitchFamily="34" charset="0"/>
-              <a:buChar char="•"/>
-            </a:pPr>
-            <a:r>
-              <a:rPr lang="en-US" sz="2800" dirty="0"/>
-              <a:t>Because load prediction is always not as good as trajectory prediction, so when the values of load matter much, the trajectory prediction, based on the inaccurate load, would be bad. 400 steps of (1, 1) would lead to a relatively high load, which might influence the trajectory prediction afterwards, to a great extent.</a:t>
-            </a:r>
-          </a:p>
-          <a:p>
-            <a:pPr marL="742950" lvl="1" indent="-285750">
+            <a:pPr marL="285750" indent="-285750">
               <a:buFont typeface="Arial" panose="020B0604020202020204" pitchFamily="34" charset="0"/>
               <a:buChar char="•"/>
             </a:pPr>
             <a:endParaRPr lang="en-US" sz="2800" dirty="0"/>
           </a:p>
           <a:p>
-            <a:pPr marL="742950" lvl="1" indent="-285750">
+            <a:pPr marL="285750" indent="-285750">
               <a:buFont typeface="Arial" panose="020B0604020202020204" pitchFamily="34" charset="0"/>
               <a:buChar char="•"/>
             </a:pPr>
             <a:r>
               <a:rPr lang="en-US" sz="2800" dirty="0"/>
-              <a:t>Maybe predictions for steps, (1,1) or (-1,-1), themselves are not accurate enough, although predictions for (1,0),(1,-1),(0,1),(-1,1) are every good.</a:t>
+              <a:t>Do we need to deal with this so that our rollout and model prediction can match each other more?</a:t>
             </a:r>
           </a:p>
         </p:txBody>
@@ -4750,7 +4269,7 @@
     </p:spTree>
     <p:extLst>
       <p:ext uri="{BB962C8B-B14F-4D97-AF65-F5344CB8AC3E}">
-        <p14:creationId xmlns:p14="http://schemas.microsoft.com/office/powerpoint/2010/main" val="213012130"/>
+        <p14:creationId xmlns:p14="http://schemas.microsoft.com/office/powerpoint/2010/main" val="1980411803"/>
       </p:ext>
     </p:extLst>
   </p:cSld>
